--- a/ppt 16-9/1531.耶稣给你平安.pptx
+++ b/ppt 16-9/1531.耶稣给你平安.pptx
@@ -5,7 +5,7 @@
     <p:sldMasterId id="2147483648" r:id="rId1"/>
   </p:sldMasterIdLst>
   <p:sldIdLst>
-    <p:sldId id="3377" r:id="rId2"/>
+    <p:sldId id="3378" r:id="rId2"/>
   </p:sldIdLst>
   <p:sldSz cx="12192000" cy="6858000"/>
   <p:notesSz cx="6858000" cy="9144000"/>
@@ -129,7 +129,7 @@
           <p:cNvPr id="2" name="标题 1">
             <a:extLst>
               <a:ext uri="{FF2B5EF4-FFF2-40B4-BE49-F238E27FC236}">
-                <a16:creationId xmlns:a16="http://schemas.microsoft.com/office/drawing/2014/main" id="{261BD9DA-2825-B848-DAE8-5CB378F32918}"/>
+                <a16:creationId xmlns:a16="http://schemas.microsoft.com/office/drawing/2014/main" id="{62F01160-C974-714B-2102-8823E3DE4F4F}"/>
               </a:ext>
             </a:extLst>
           </p:cNvPr>
@@ -166,7 +166,7 @@
           <p:cNvPr id="3" name="副标题 2">
             <a:extLst>
               <a:ext uri="{FF2B5EF4-FFF2-40B4-BE49-F238E27FC236}">
-                <a16:creationId xmlns:a16="http://schemas.microsoft.com/office/drawing/2014/main" id="{AE9ACFC3-04D7-126D-A9CA-95C8F714E2FA}"/>
+                <a16:creationId xmlns:a16="http://schemas.microsoft.com/office/drawing/2014/main" id="{25AF266F-7572-9A0C-FC9A-7EDA8388A552}"/>
               </a:ext>
             </a:extLst>
           </p:cNvPr>
@@ -236,7 +236,7 @@
           <p:cNvPr id="4" name="日期占位符 3">
             <a:extLst>
               <a:ext uri="{FF2B5EF4-FFF2-40B4-BE49-F238E27FC236}">
-                <a16:creationId xmlns:a16="http://schemas.microsoft.com/office/drawing/2014/main" id="{A49A9B5B-B727-65EE-44F8-14492FCE262E}"/>
+                <a16:creationId xmlns:a16="http://schemas.microsoft.com/office/drawing/2014/main" id="{FE39B047-17EE-00D6-4088-65DD75801156}"/>
               </a:ext>
             </a:extLst>
           </p:cNvPr>
@@ -252,7 +252,7 @@
           <a:bodyPr/>
           <a:lstStyle/>
           <a:p>
-            <a:fld id="{987E1201-024C-420F-BF21-BA9D24A22ADE}" type="datetimeFigureOut">
+            <a:fld id="{E22647B8-00AC-45B8-857B-442FAD765A8C}" type="datetimeFigureOut">
               <a:rPr lang="zh-CN" altLang="en-US" smtClean="0"/>
               <a:t>2024/3/10</a:t>
             </a:fld>
@@ -265,7 +265,7 @@
           <p:cNvPr id="5" name="页脚占位符 4">
             <a:extLst>
               <a:ext uri="{FF2B5EF4-FFF2-40B4-BE49-F238E27FC236}">
-                <a16:creationId xmlns:a16="http://schemas.microsoft.com/office/drawing/2014/main" id="{D12059B7-DA4A-179D-1F67-49C5B3A36D0D}"/>
+                <a16:creationId xmlns:a16="http://schemas.microsoft.com/office/drawing/2014/main" id="{86F132BF-5A9C-A0AE-615D-B1872627CF17}"/>
               </a:ext>
             </a:extLst>
           </p:cNvPr>
@@ -290,7 +290,7 @@
           <p:cNvPr id="6" name="灯片编号占位符 5">
             <a:extLst>
               <a:ext uri="{FF2B5EF4-FFF2-40B4-BE49-F238E27FC236}">
-                <a16:creationId xmlns:a16="http://schemas.microsoft.com/office/drawing/2014/main" id="{6E3CF765-B43A-5531-7C6E-79E3F15F822B}"/>
+                <a16:creationId xmlns:a16="http://schemas.microsoft.com/office/drawing/2014/main" id="{ED16C6FE-5D6E-1F04-3622-A43EF970E040}"/>
               </a:ext>
             </a:extLst>
           </p:cNvPr>
@@ -306,7 +306,7 @@
           <a:bodyPr/>
           <a:lstStyle/>
           <a:p>
-            <a:fld id="{D47BE63C-3604-4B6B-B845-9C52A78E811A}" type="slidenum">
+            <a:fld id="{E09F9F96-F374-4E50-AEF2-012E45A525B9}" type="slidenum">
               <a:rPr lang="zh-CN" altLang="en-US" smtClean="0"/>
               <a:t>‹#›</a:t>
             </a:fld>
@@ -317,7 +317,7 @@
     </p:spTree>
     <p:extLst>
       <p:ext uri="{BB962C8B-B14F-4D97-AF65-F5344CB8AC3E}">
-        <p14:creationId xmlns:p14="http://schemas.microsoft.com/office/powerpoint/2010/main" val="2090963792"/>
+        <p14:creationId xmlns:p14="http://schemas.microsoft.com/office/powerpoint/2010/main" val="4092473530"/>
       </p:ext>
     </p:extLst>
   </p:cSld>
@@ -349,7 +349,7 @@
           <p:cNvPr id="2" name="标题 1">
             <a:extLst>
               <a:ext uri="{FF2B5EF4-FFF2-40B4-BE49-F238E27FC236}">
-                <a16:creationId xmlns:a16="http://schemas.microsoft.com/office/drawing/2014/main" id="{03B79082-B10E-C57F-D564-2E95B4C7413B}"/>
+                <a16:creationId xmlns:a16="http://schemas.microsoft.com/office/drawing/2014/main" id="{8C6112F6-7994-3CB6-317C-D49001BAF003}"/>
               </a:ext>
             </a:extLst>
           </p:cNvPr>
@@ -377,7 +377,7 @@
           <p:cNvPr id="3" name="竖排文字占位符 2">
             <a:extLst>
               <a:ext uri="{FF2B5EF4-FFF2-40B4-BE49-F238E27FC236}">
-                <a16:creationId xmlns:a16="http://schemas.microsoft.com/office/drawing/2014/main" id="{66160AFB-1833-9ED2-34EA-151AD305C2F0}"/>
+                <a16:creationId xmlns:a16="http://schemas.microsoft.com/office/drawing/2014/main" id="{5E3BA093-25D7-B6CF-2FAA-070B1FA315C2}"/>
               </a:ext>
             </a:extLst>
           </p:cNvPr>
@@ -434,7 +434,7 @@
           <p:cNvPr id="4" name="日期占位符 3">
             <a:extLst>
               <a:ext uri="{FF2B5EF4-FFF2-40B4-BE49-F238E27FC236}">
-                <a16:creationId xmlns:a16="http://schemas.microsoft.com/office/drawing/2014/main" id="{9A2D2FF3-C16D-8F8C-E663-B84BE729AB89}"/>
+                <a16:creationId xmlns:a16="http://schemas.microsoft.com/office/drawing/2014/main" id="{729D6D4D-D509-EF8E-F7FA-F04801C19A6D}"/>
               </a:ext>
             </a:extLst>
           </p:cNvPr>
@@ -450,7 +450,7 @@
           <a:bodyPr/>
           <a:lstStyle/>
           <a:p>
-            <a:fld id="{987E1201-024C-420F-BF21-BA9D24A22ADE}" type="datetimeFigureOut">
+            <a:fld id="{E22647B8-00AC-45B8-857B-442FAD765A8C}" type="datetimeFigureOut">
               <a:rPr lang="zh-CN" altLang="en-US" smtClean="0"/>
               <a:t>2024/3/10</a:t>
             </a:fld>
@@ -463,7 +463,7 @@
           <p:cNvPr id="5" name="页脚占位符 4">
             <a:extLst>
               <a:ext uri="{FF2B5EF4-FFF2-40B4-BE49-F238E27FC236}">
-                <a16:creationId xmlns:a16="http://schemas.microsoft.com/office/drawing/2014/main" id="{73FDEE6F-7AA8-DAEB-2FE2-B0CFF57BC1AE}"/>
+                <a16:creationId xmlns:a16="http://schemas.microsoft.com/office/drawing/2014/main" id="{D828A2F8-9C3F-BE46-6072-06E85A06FFB7}"/>
               </a:ext>
             </a:extLst>
           </p:cNvPr>
@@ -488,7 +488,7 @@
           <p:cNvPr id="6" name="灯片编号占位符 5">
             <a:extLst>
               <a:ext uri="{FF2B5EF4-FFF2-40B4-BE49-F238E27FC236}">
-                <a16:creationId xmlns:a16="http://schemas.microsoft.com/office/drawing/2014/main" id="{46B002B2-AD2F-CC8D-40FB-C3056BA32F18}"/>
+                <a16:creationId xmlns:a16="http://schemas.microsoft.com/office/drawing/2014/main" id="{14272B13-E16D-DBBA-E593-41C5766D47B9}"/>
               </a:ext>
             </a:extLst>
           </p:cNvPr>
@@ -504,7 +504,7 @@
           <a:bodyPr/>
           <a:lstStyle/>
           <a:p>
-            <a:fld id="{D47BE63C-3604-4B6B-B845-9C52A78E811A}" type="slidenum">
+            <a:fld id="{E09F9F96-F374-4E50-AEF2-012E45A525B9}" type="slidenum">
               <a:rPr lang="zh-CN" altLang="en-US" smtClean="0"/>
               <a:t>‹#›</a:t>
             </a:fld>
@@ -515,7 +515,7 @@
     </p:spTree>
     <p:extLst>
       <p:ext uri="{BB962C8B-B14F-4D97-AF65-F5344CB8AC3E}">
-        <p14:creationId xmlns:p14="http://schemas.microsoft.com/office/powerpoint/2010/main" val="3909129222"/>
+        <p14:creationId xmlns:p14="http://schemas.microsoft.com/office/powerpoint/2010/main" val="4212971733"/>
       </p:ext>
     </p:extLst>
   </p:cSld>
@@ -547,7 +547,7 @@
           <p:cNvPr id="2" name="竖排标题 1">
             <a:extLst>
               <a:ext uri="{FF2B5EF4-FFF2-40B4-BE49-F238E27FC236}">
-                <a16:creationId xmlns:a16="http://schemas.microsoft.com/office/drawing/2014/main" id="{53E3F9B5-BB18-1E08-AB1C-22A135D9A1F4}"/>
+                <a16:creationId xmlns:a16="http://schemas.microsoft.com/office/drawing/2014/main" id="{DBEF3A56-511B-1744-DBB5-3A542D2ED3B7}"/>
               </a:ext>
             </a:extLst>
           </p:cNvPr>
@@ -580,7 +580,7 @@
           <p:cNvPr id="3" name="竖排文字占位符 2">
             <a:extLst>
               <a:ext uri="{FF2B5EF4-FFF2-40B4-BE49-F238E27FC236}">
-                <a16:creationId xmlns:a16="http://schemas.microsoft.com/office/drawing/2014/main" id="{9DCE8A2D-EC5A-2490-3583-2D32A08ABC5C}"/>
+                <a16:creationId xmlns:a16="http://schemas.microsoft.com/office/drawing/2014/main" id="{E3B975F8-E68B-66F5-83F7-27833220C863}"/>
               </a:ext>
             </a:extLst>
           </p:cNvPr>
@@ -642,7 +642,7 @@
           <p:cNvPr id="4" name="日期占位符 3">
             <a:extLst>
               <a:ext uri="{FF2B5EF4-FFF2-40B4-BE49-F238E27FC236}">
-                <a16:creationId xmlns:a16="http://schemas.microsoft.com/office/drawing/2014/main" id="{59F6C01A-C506-0F34-2792-F006C186885E}"/>
+                <a16:creationId xmlns:a16="http://schemas.microsoft.com/office/drawing/2014/main" id="{58C583CB-832F-7749-3695-6973A2A3E13B}"/>
               </a:ext>
             </a:extLst>
           </p:cNvPr>
@@ -658,7 +658,7 @@
           <a:bodyPr/>
           <a:lstStyle/>
           <a:p>
-            <a:fld id="{987E1201-024C-420F-BF21-BA9D24A22ADE}" type="datetimeFigureOut">
+            <a:fld id="{E22647B8-00AC-45B8-857B-442FAD765A8C}" type="datetimeFigureOut">
               <a:rPr lang="zh-CN" altLang="en-US" smtClean="0"/>
               <a:t>2024/3/10</a:t>
             </a:fld>
@@ -671,7 +671,7 @@
           <p:cNvPr id="5" name="页脚占位符 4">
             <a:extLst>
               <a:ext uri="{FF2B5EF4-FFF2-40B4-BE49-F238E27FC236}">
-                <a16:creationId xmlns:a16="http://schemas.microsoft.com/office/drawing/2014/main" id="{B1E54488-EB4C-2C0B-B38E-11FFA1184730}"/>
+                <a16:creationId xmlns:a16="http://schemas.microsoft.com/office/drawing/2014/main" id="{18003425-2998-C838-1D58-B780847510F6}"/>
               </a:ext>
             </a:extLst>
           </p:cNvPr>
@@ -696,7 +696,7 @@
           <p:cNvPr id="6" name="灯片编号占位符 5">
             <a:extLst>
               <a:ext uri="{FF2B5EF4-FFF2-40B4-BE49-F238E27FC236}">
-                <a16:creationId xmlns:a16="http://schemas.microsoft.com/office/drawing/2014/main" id="{0879C039-B8A8-3B69-3CFF-61DE6C7FB955}"/>
+                <a16:creationId xmlns:a16="http://schemas.microsoft.com/office/drawing/2014/main" id="{3F15B4D0-DDC7-6667-99A2-A8589383C38E}"/>
               </a:ext>
             </a:extLst>
           </p:cNvPr>
@@ -712,7 +712,7 @@
           <a:bodyPr/>
           <a:lstStyle/>
           <a:p>
-            <a:fld id="{D47BE63C-3604-4B6B-B845-9C52A78E811A}" type="slidenum">
+            <a:fld id="{E09F9F96-F374-4E50-AEF2-012E45A525B9}" type="slidenum">
               <a:rPr lang="zh-CN" altLang="en-US" smtClean="0"/>
               <a:t>‹#›</a:t>
             </a:fld>
@@ -723,7 +723,7 @@
     </p:spTree>
     <p:extLst>
       <p:ext uri="{BB962C8B-B14F-4D97-AF65-F5344CB8AC3E}">
-        <p14:creationId xmlns:p14="http://schemas.microsoft.com/office/powerpoint/2010/main" val="3093577126"/>
+        <p14:creationId xmlns:p14="http://schemas.microsoft.com/office/powerpoint/2010/main" val="3425511666"/>
       </p:ext>
     </p:extLst>
   </p:cSld>
@@ -755,7 +755,7 @@
           <p:cNvPr id="2" name="标题 1">
             <a:extLst>
               <a:ext uri="{FF2B5EF4-FFF2-40B4-BE49-F238E27FC236}">
-                <a16:creationId xmlns:a16="http://schemas.microsoft.com/office/drawing/2014/main" id="{77398D87-5A51-AE30-D715-77B0DE0349ED}"/>
+                <a16:creationId xmlns:a16="http://schemas.microsoft.com/office/drawing/2014/main" id="{9AABEA5E-EAE2-4763-4838-4830AFBFBE53}"/>
               </a:ext>
             </a:extLst>
           </p:cNvPr>
@@ -783,7 +783,7 @@
           <p:cNvPr id="3" name="内容占位符 2">
             <a:extLst>
               <a:ext uri="{FF2B5EF4-FFF2-40B4-BE49-F238E27FC236}">
-                <a16:creationId xmlns:a16="http://schemas.microsoft.com/office/drawing/2014/main" id="{95DDCE9A-5AD9-44D5-4A6C-395420982DCB}"/>
+                <a16:creationId xmlns:a16="http://schemas.microsoft.com/office/drawing/2014/main" id="{533F95BB-5D81-19F7-DC08-4330607B5342}"/>
               </a:ext>
             </a:extLst>
           </p:cNvPr>
@@ -840,7 +840,7 @@
           <p:cNvPr id="4" name="日期占位符 3">
             <a:extLst>
               <a:ext uri="{FF2B5EF4-FFF2-40B4-BE49-F238E27FC236}">
-                <a16:creationId xmlns:a16="http://schemas.microsoft.com/office/drawing/2014/main" id="{1ED71F42-24F2-FF34-58B8-0BE49160B8C9}"/>
+                <a16:creationId xmlns:a16="http://schemas.microsoft.com/office/drawing/2014/main" id="{C13BC97A-443A-4FE4-8AAA-B2A46EAFB872}"/>
               </a:ext>
             </a:extLst>
           </p:cNvPr>
@@ -856,7 +856,7 @@
           <a:bodyPr/>
           <a:lstStyle/>
           <a:p>
-            <a:fld id="{987E1201-024C-420F-BF21-BA9D24A22ADE}" type="datetimeFigureOut">
+            <a:fld id="{E22647B8-00AC-45B8-857B-442FAD765A8C}" type="datetimeFigureOut">
               <a:rPr lang="zh-CN" altLang="en-US" smtClean="0"/>
               <a:t>2024/3/10</a:t>
             </a:fld>
@@ -869,7 +869,7 @@
           <p:cNvPr id="5" name="页脚占位符 4">
             <a:extLst>
               <a:ext uri="{FF2B5EF4-FFF2-40B4-BE49-F238E27FC236}">
-                <a16:creationId xmlns:a16="http://schemas.microsoft.com/office/drawing/2014/main" id="{E66E3B07-E367-1B33-4160-02E477D9725C}"/>
+                <a16:creationId xmlns:a16="http://schemas.microsoft.com/office/drawing/2014/main" id="{361FD641-A8EE-6706-0D23-8C008CC302FD}"/>
               </a:ext>
             </a:extLst>
           </p:cNvPr>
@@ -894,7 +894,7 @@
           <p:cNvPr id="6" name="灯片编号占位符 5">
             <a:extLst>
               <a:ext uri="{FF2B5EF4-FFF2-40B4-BE49-F238E27FC236}">
-                <a16:creationId xmlns:a16="http://schemas.microsoft.com/office/drawing/2014/main" id="{FBF9A739-5A26-A95D-8F88-E728DF3B1244}"/>
+                <a16:creationId xmlns:a16="http://schemas.microsoft.com/office/drawing/2014/main" id="{3DB2C659-B0F6-7BD1-71A0-0D617FBAEC0A}"/>
               </a:ext>
             </a:extLst>
           </p:cNvPr>
@@ -910,7 +910,7 @@
           <a:bodyPr/>
           <a:lstStyle/>
           <a:p>
-            <a:fld id="{D47BE63C-3604-4B6B-B845-9C52A78E811A}" type="slidenum">
+            <a:fld id="{E09F9F96-F374-4E50-AEF2-012E45A525B9}" type="slidenum">
               <a:rPr lang="zh-CN" altLang="en-US" smtClean="0"/>
               <a:t>‹#›</a:t>
             </a:fld>
@@ -921,7 +921,7 @@
     </p:spTree>
     <p:extLst>
       <p:ext uri="{BB962C8B-B14F-4D97-AF65-F5344CB8AC3E}">
-        <p14:creationId xmlns:p14="http://schemas.microsoft.com/office/powerpoint/2010/main" val="1857783591"/>
+        <p14:creationId xmlns:p14="http://schemas.microsoft.com/office/powerpoint/2010/main" val="3902912732"/>
       </p:ext>
     </p:extLst>
   </p:cSld>
@@ -953,7 +953,7 @@
           <p:cNvPr id="2" name="标题 1">
             <a:extLst>
               <a:ext uri="{FF2B5EF4-FFF2-40B4-BE49-F238E27FC236}">
-                <a16:creationId xmlns:a16="http://schemas.microsoft.com/office/drawing/2014/main" id="{3C4BCE04-5DAA-BCF8-9F98-B4BDDDB943DB}"/>
+                <a16:creationId xmlns:a16="http://schemas.microsoft.com/office/drawing/2014/main" id="{3CAAEDC2-2D94-4A8C-CD3D-432C8B177047}"/>
               </a:ext>
             </a:extLst>
           </p:cNvPr>
@@ -990,7 +990,7 @@
           <p:cNvPr id="3" name="文本占位符 2">
             <a:extLst>
               <a:ext uri="{FF2B5EF4-FFF2-40B4-BE49-F238E27FC236}">
-                <a16:creationId xmlns:a16="http://schemas.microsoft.com/office/drawing/2014/main" id="{591D92BA-E8A0-B2A3-4388-1BA682E29C3E}"/>
+                <a16:creationId xmlns:a16="http://schemas.microsoft.com/office/drawing/2014/main" id="{750BC3CC-CF70-0268-5157-80EF01AF27F2}"/>
               </a:ext>
             </a:extLst>
           </p:cNvPr>
@@ -1115,7 +1115,7 @@
           <p:cNvPr id="4" name="日期占位符 3">
             <a:extLst>
               <a:ext uri="{FF2B5EF4-FFF2-40B4-BE49-F238E27FC236}">
-                <a16:creationId xmlns:a16="http://schemas.microsoft.com/office/drawing/2014/main" id="{9A64A65A-6A8F-A0D4-79F3-30A2D253D236}"/>
+                <a16:creationId xmlns:a16="http://schemas.microsoft.com/office/drawing/2014/main" id="{B75A8285-1F9B-229C-3809-DFA7E8E9DC58}"/>
               </a:ext>
             </a:extLst>
           </p:cNvPr>
@@ -1131,7 +1131,7 @@
           <a:bodyPr/>
           <a:lstStyle/>
           <a:p>
-            <a:fld id="{987E1201-024C-420F-BF21-BA9D24A22ADE}" type="datetimeFigureOut">
+            <a:fld id="{E22647B8-00AC-45B8-857B-442FAD765A8C}" type="datetimeFigureOut">
               <a:rPr lang="zh-CN" altLang="en-US" smtClean="0"/>
               <a:t>2024/3/10</a:t>
             </a:fld>
@@ -1144,7 +1144,7 @@
           <p:cNvPr id="5" name="页脚占位符 4">
             <a:extLst>
               <a:ext uri="{FF2B5EF4-FFF2-40B4-BE49-F238E27FC236}">
-                <a16:creationId xmlns:a16="http://schemas.microsoft.com/office/drawing/2014/main" id="{E6966DE0-08F7-C079-82C9-35C1039693FE}"/>
+                <a16:creationId xmlns:a16="http://schemas.microsoft.com/office/drawing/2014/main" id="{6BFB3BFF-4FFE-D454-EF48-CD17FFB1F454}"/>
               </a:ext>
             </a:extLst>
           </p:cNvPr>
@@ -1169,7 +1169,7 @@
           <p:cNvPr id="6" name="灯片编号占位符 5">
             <a:extLst>
               <a:ext uri="{FF2B5EF4-FFF2-40B4-BE49-F238E27FC236}">
-                <a16:creationId xmlns:a16="http://schemas.microsoft.com/office/drawing/2014/main" id="{B4E46C36-4CC3-B96E-03E1-6EC0B65C8433}"/>
+                <a16:creationId xmlns:a16="http://schemas.microsoft.com/office/drawing/2014/main" id="{75686D34-FC57-B46C-0CB8-C4DF50ABD235}"/>
               </a:ext>
             </a:extLst>
           </p:cNvPr>
@@ -1185,7 +1185,7 @@
           <a:bodyPr/>
           <a:lstStyle/>
           <a:p>
-            <a:fld id="{D47BE63C-3604-4B6B-B845-9C52A78E811A}" type="slidenum">
+            <a:fld id="{E09F9F96-F374-4E50-AEF2-012E45A525B9}" type="slidenum">
               <a:rPr lang="zh-CN" altLang="en-US" smtClean="0"/>
               <a:t>‹#›</a:t>
             </a:fld>
@@ -1196,7 +1196,7 @@
     </p:spTree>
     <p:extLst>
       <p:ext uri="{BB962C8B-B14F-4D97-AF65-F5344CB8AC3E}">
-        <p14:creationId xmlns:p14="http://schemas.microsoft.com/office/powerpoint/2010/main" val="794646125"/>
+        <p14:creationId xmlns:p14="http://schemas.microsoft.com/office/powerpoint/2010/main" val="3756537493"/>
       </p:ext>
     </p:extLst>
   </p:cSld>
@@ -1228,7 +1228,7 @@
           <p:cNvPr id="2" name="标题 1">
             <a:extLst>
               <a:ext uri="{FF2B5EF4-FFF2-40B4-BE49-F238E27FC236}">
-                <a16:creationId xmlns:a16="http://schemas.microsoft.com/office/drawing/2014/main" id="{597C28BB-ED8D-3BB9-7D87-304D76EFFD2A}"/>
+                <a16:creationId xmlns:a16="http://schemas.microsoft.com/office/drawing/2014/main" id="{41536FCB-9BF8-928D-54F1-B5924D21DEFF}"/>
               </a:ext>
             </a:extLst>
           </p:cNvPr>
@@ -1256,7 +1256,7 @@
           <p:cNvPr id="3" name="内容占位符 2">
             <a:extLst>
               <a:ext uri="{FF2B5EF4-FFF2-40B4-BE49-F238E27FC236}">
-                <a16:creationId xmlns:a16="http://schemas.microsoft.com/office/drawing/2014/main" id="{25421207-DAAE-D456-3587-5DDB4D4641DD}"/>
+                <a16:creationId xmlns:a16="http://schemas.microsoft.com/office/drawing/2014/main" id="{021C79CC-C76F-B379-7BB2-8D0F8D4C1370}"/>
               </a:ext>
             </a:extLst>
           </p:cNvPr>
@@ -1318,7 +1318,7 @@
           <p:cNvPr id="4" name="内容占位符 3">
             <a:extLst>
               <a:ext uri="{FF2B5EF4-FFF2-40B4-BE49-F238E27FC236}">
-                <a16:creationId xmlns:a16="http://schemas.microsoft.com/office/drawing/2014/main" id="{214B178E-55E8-68A8-AAAD-7B5242057B1E}"/>
+                <a16:creationId xmlns:a16="http://schemas.microsoft.com/office/drawing/2014/main" id="{939D756E-6433-1F67-5AEF-4CD7FE82FA79}"/>
               </a:ext>
             </a:extLst>
           </p:cNvPr>
@@ -1380,7 +1380,7 @@
           <p:cNvPr id="5" name="日期占位符 4">
             <a:extLst>
               <a:ext uri="{FF2B5EF4-FFF2-40B4-BE49-F238E27FC236}">
-                <a16:creationId xmlns:a16="http://schemas.microsoft.com/office/drawing/2014/main" id="{D676D06C-A558-B8B5-CCC1-A244003272A1}"/>
+                <a16:creationId xmlns:a16="http://schemas.microsoft.com/office/drawing/2014/main" id="{8F80E73C-CD00-19CB-17E3-8595AC8C9007}"/>
               </a:ext>
             </a:extLst>
           </p:cNvPr>
@@ -1396,7 +1396,7 @@
           <a:bodyPr/>
           <a:lstStyle/>
           <a:p>
-            <a:fld id="{987E1201-024C-420F-BF21-BA9D24A22ADE}" type="datetimeFigureOut">
+            <a:fld id="{E22647B8-00AC-45B8-857B-442FAD765A8C}" type="datetimeFigureOut">
               <a:rPr lang="zh-CN" altLang="en-US" smtClean="0"/>
               <a:t>2024/3/10</a:t>
             </a:fld>
@@ -1409,7 +1409,7 @@
           <p:cNvPr id="6" name="页脚占位符 5">
             <a:extLst>
               <a:ext uri="{FF2B5EF4-FFF2-40B4-BE49-F238E27FC236}">
-                <a16:creationId xmlns:a16="http://schemas.microsoft.com/office/drawing/2014/main" id="{3F77A16D-96E2-5559-F035-565C2DEB6502}"/>
+                <a16:creationId xmlns:a16="http://schemas.microsoft.com/office/drawing/2014/main" id="{5FFDD3F1-BDDE-6F7F-D194-82C3BC9FA79A}"/>
               </a:ext>
             </a:extLst>
           </p:cNvPr>
@@ -1434,7 +1434,7 @@
           <p:cNvPr id="7" name="灯片编号占位符 6">
             <a:extLst>
               <a:ext uri="{FF2B5EF4-FFF2-40B4-BE49-F238E27FC236}">
-                <a16:creationId xmlns:a16="http://schemas.microsoft.com/office/drawing/2014/main" id="{225D4290-AE01-253C-C870-A243E5096BD5}"/>
+                <a16:creationId xmlns:a16="http://schemas.microsoft.com/office/drawing/2014/main" id="{21A9BD7A-DED8-3586-2680-4A28CD1C5EE3}"/>
               </a:ext>
             </a:extLst>
           </p:cNvPr>
@@ -1450,7 +1450,7 @@
           <a:bodyPr/>
           <a:lstStyle/>
           <a:p>
-            <a:fld id="{D47BE63C-3604-4B6B-B845-9C52A78E811A}" type="slidenum">
+            <a:fld id="{E09F9F96-F374-4E50-AEF2-012E45A525B9}" type="slidenum">
               <a:rPr lang="zh-CN" altLang="en-US" smtClean="0"/>
               <a:t>‹#›</a:t>
             </a:fld>
@@ -1461,7 +1461,7 @@
     </p:spTree>
     <p:extLst>
       <p:ext uri="{BB962C8B-B14F-4D97-AF65-F5344CB8AC3E}">
-        <p14:creationId xmlns:p14="http://schemas.microsoft.com/office/powerpoint/2010/main" val="562729502"/>
+        <p14:creationId xmlns:p14="http://schemas.microsoft.com/office/powerpoint/2010/main" val="1843618853"/>
       </p:ext>
     </p:extLst>
   </p:cSld>
@@ -1493,7 +1493,7 @@
           <p:cNvPr id="2" name="标题 1">
             <a:extLst>
               <a:ext uri="{FF2B5EF4-FFF2-40B4-BE49-F238E27FC236}">
-                <a16:creationId xmlns:a16="http://schemas.microsoft.com/office/drawing/2014/main" id="{4D57F15A-B5F9-1472-57D3-EF2C45F1C479}"/>
+                <a16:creationId xmlns:a16="http://schemas.microsoft.com/office/drawing/2014/main" id="{048A950A-A74C-9575-9D6A-9EADC61B2A6F}"/>
               </a:ext>
             </a:extLst>
           </p:cNvPr>
@@ -1526,7 +1526,7 @@
           <p:cNvPr id="3" name="文本占位符 2">
             <a:extLst>
               <a:ext uri="{FF2B5EF4-FFF2-40B4-BE49-F238E27FC236}">
-                <a16:creationId xmlns:a16="http://schemas.microsoft.com/office/drawing/2014/main" id="{8D4441B3-17C1-EEED-3C27-E0854A95FDAC}"/>
+                <a16:creationId xmlns:a16="http://schemas.microsoft.com/office/drawing/2014/main" id="{11C59D5A-78FC-D31E-C1CA-71A0BC781E86}"/>
               </a:ext>
             </a:extLst>
           </p:cNvPr>
@@ -1597,7 +1597,7 @@
           <p:cNvPr id="4" name="内容占位符 3">
             <a:extLst>
               <a:ext uri="{FF2B5EF4-FFF2-40B4-BE49-F238E27FC236}">
-                <a16:creationId xmlns:a16="http://schemas.microsoft.com/office/drawing/2014/main" id="{7D925976-51CA-B0F3-A6C6-F3A07E52D507}"/>
+                <a16:creationId xmlns:a16="http://schemas.microsoft.com/office/drawing/2014/main" id="{46F8E70F-8EC5-583E-C867-A4993E668F93}"/>
               </a:ext>
             </a:extLst>
           </p:cNvPr>
@@ -1659,7 +1659,7 @@
           <p:cNvPr id="5" name="文本占位符 4">
             <a:extLst>
               <a:ext uri="{FF2B5EF4-FFF2-40B4-BE49-F238E27FC236}">
-                <a16:creationId xmlns:a16="http://schemas.microsoft.com/office/drawing/2014/main" id="{B04AE3F3-910F-2CAF-F779-480D2DE5D035}"/>
+                <a16:creationId xmlns:a16="http://schemas.microsoft.com/office/drawing/2014/main" id="{510BBA2F-19B1-64CA-9330-1194DDF5A6C9}"/>
               </a:ext>
             </a:extLst>
           </p:cNvPr>
@@ -1730,7 +1730,7 @@
           <p:cNvPr id="6" name="内容占位符 5">
             <a:extLst>
               <a:ext uri="{FF2B5EF4-FFF2-40B4-BE49-F238E27FC236}">
-                <a16:creationId xmlns:a16="http://schemas.microsoft.com/office/drawing/2014/main" id="{26A80A5F-A30A-03BA-AE14-C1785AAA9B6E}"/>
+                <a16:creationId xmlns:a16="http://schemas.microsoft.com/office/drawing/2014/main" id="{0D28CB8A-273F-EDBE-01CA-51820D15840C}"/>
               </a:ext>
             </a:extLst>
           </p:cNvPr>
@@ -1792,7 +1792,7 @@
           <p:cNvPr id="7" name="日期占位符 6">
             <a:extLst>
               <a:ext uri="{FF2B5EF4-FFF2-40B4-BE49-F238E27FC236}">
-                <a16:creationId xmlns:a16="http://schemas.microsoft.com/office/drawing/2014/main" id="{2AC34380-5847-1ABA-4D04-3CB73ABFCD40}"/>
+                <a16:creationId xmlns:a16="http://schemas.microsoft.com/office/drawing/2014/main" id="{6F3B564A-D03C-50E6-E1EE-8945E2F649D0}"/>
               </a:ext>
             </a:extLst>
           </p:cNvPr>
@@ -1808,7 +1808,7 @@
           <a:bodyPr/>
           <a:lstStyle/>
           <a:p>
-            <a:fld id="{987E1201-024C-420F-BF21-BA9D24A22ADE}" type="datetimeFigureOut">
+            <a:fld id="{E22647B8-00AC-45B8-857B-442FAD765A8C}" type="datetimeFigureOut">
               <a:rPr lang="zh-CN" altLang="en-US" smtClean="0"/>
               <a:t>2024/3/10</a:t>
             </a:fld>
@@ -1821,7 +1821,7 @@
           <p:cNvPr id="8" name="页脚占位符 7">
             <a:extLst>
               <a:ext uri="{FF2B5EF4-FFF2-40B4-BE49-F238E27FC236}">
-                <a16:creationId xmlns:a16="http://schemas.microsoft.com/office/drawing/2014/main" id="{110E70C6-353A-72B3-1FDB-AA4E7098FCFC}"/>
+                <a16:creationId xmlns:a16="http://schemas.microsoft.com/office/drawing/2014/main" id="{1225F36F-D49D-18CF-1C3E-3E4660325D6F}"/>
               </a:ext>
             </a:extLst>
           </p:cNvPr>
@@ -1846,7 +1846,7 @@
           <p:cNvPr id="9" name="灯片编号占位符 8">
             <a:extLst>
               <a:ext uri="{FF2B5EF4-FFF2-40B4-BE49-F238E27FC236}">
-                <a16:creationId xmlns:a16="http://schemas.microsoft.com/office/drawing/2014/main" id="{5BEFD99F-9B55-56F6-F778-65216EBB3709}"/>
+                <a16:creationId xmlns:a16="http://schemas.microsoft.com/office/drawing/2014/main" id="{8F9818C6-C3CD-214F-15AE-4D6101F9713C}"/>
               </a:ext>
             </a:extLst>
           </p:cNvPr>
@@ -1862,7 +1862,7 @@
           <a:bodyPr/>
           <a:lstStyle/>
           <a:p>
-            <a:fld id="{D47BE63C-3604-4B6B-B845-9C52A78E811A}" type="slidenum">
+            <a:fld id="{E09F9F96-F374-4E50-AEF2-012E45A525B9}" type="slidenum">
               <a:rPr lang="zh-CN" altLang="en-US" smtClean="0"/>
               <a:t>‹#›</a:t>
             </a:fld>
@@ -1873,7 +1873,7 @@
     </p:spTree>
     <p:extLst>
       <p:ext uri="{BB962C8B-B14F-4D97-AF65-F5344CB8AC3E}">
-        <p14:creationId xmlns:p14="http://schemas.microsoft.com/office/powerpoint/2010/main" val="2793749822"/>
+        <p14:creationId xmlns:p14="http://schemas.microsoft.com/office/powerpoint/2010/main" val="878977467"/>
       </p:ext>
     </p:extLst>
   </p:cSld>
@@ -1905,7 +1905,7 @@
           <p:cNvPr id="2" name="标题 1">
             <a:extLst>
               <a:ext uri="{FF2B5EF4-FFF2-40B4-BE49-F238E27FC236}">
-                <a16:creationId xmlns:a16="http://schemas.microsoft.com/office/drawing/2014/main" id="{2745E993-6477-AB2B-9DCC-9D5C8284BB9F}"/>
+                <a16:creationId xmlns:a16="http://schemas.microsoft.com/office/drawing/2014/main" id="{1ED4D496-EFAC-204A-75EC-66DEBEF9B3DD}"/>
               </a:ext>
             </a:extLst>
           </p:cNvPr>
@@ -1933,7 +1933,7 @@
           <p:cNvPr id="3" name="日期占位符 2">
             <a:extLst>
               <a:ext uri="{FF2B5EF4-FFF2-40B4-BE49-F238E27FC236}">
-                <a16:creationId xmlns:a16="http://schemas.microsoft.com/office/drawing/2014/main" id="{C5B9926B-E22E-3A2B-4B4C-05680A91F924}"/>
+                <a16:creationId xmlns:a16="http://schemas.microsoft.com/office/drawing/2014/main" id="{1DFD87AB-538A-6096-5608-D71275796928}"/>
               </a:ext>
             </a:extLst>
           </p:cNvPr>
@@ -1949,7 +1949,7 @@
           <a:bodyPr/>
           <a:lstStyle/>
           <a:p>
-            <a:fld id="{987E1201-024C-420F-BF21-BA9D24A22ADE}" type="datetimeFigureOut">
+            <a:fld id="{E22647B8-00AC-45B8-857B-442FAD765A8C}" type="datetimeFigureOut">
               <a:rPr lang="zh-CN" altLang="en-US" smtClean="0"/>
               <a:t>2024/3/10</a:t>
             </a:fld>
@@ -1962,7 +1962,7 @@
           <p:cNvPr id="4" name="页脚占位符 3">
             <a:extLst>
               <a:ext uri="{FF2B5EF4-FFF2-40B4-BE49-F238E27FC236}">
-                <a16:creationId xmlns:a16="http://schemas.microsoft.com/office/drawing/2014/main" id="{43870532-70C1-FB32-F39E-B7F57E72C59E}"/>
+                <a16:creationId xmlns:a16="http://schemas.microsoft.com/office/drawing/2014/main" id="{A8A52B87-C217-5E61-B93A-1F42BFE7049A}"/>
               </a:ext>
             </a:extLst>
           </p:cNvPr>
@@ -1987,7 +1987,7 @@
           <p:cNvPr id="5" name="灯片编号占位符 4">
             <a:extLst>
               <a:ext uri="{FF2B5EF4-FFF2-40B4-BE49-F238E27FC236}">
-                <a16:creationId xmlns:a16="http://schemas.microsoft.com/office/drawing/2014/main" id="{BF1442E4-4454-F54B-9E58-D2AC8296ADCE}"/>
+                <a16:creationId xmlns:a16="http://schemas.microsoft.com/office/drawing/2014/main" id="{7266E911-BF87-4D4E-F5A4-06C72FBA407D}"/>
               </a:ext>
             </a:extLst>
           </p:cNvPr>
@@ -2003,7 +2003,7 @@
           <a:bodyPr/>
           <a:lstStyle/>
           <a:p>
-            <a:fld id="{D47BE63C-3604-4B6B-B845-9C52A78E811A}" type="slidenum">
+            <a:fld id="{E09F9F96-F374-4E50-AEF2-012E45A525B9}" type="slidenum">
               <a:rPr lang="zh-CN" altLang="en-US" smtClean="0"/>
               <a:t>‹#›</a:t>
             </a:fld>
@@ -2014,7 +2014,7 @@
     </p:spTree>
     <p:extLst>
       <p:ext uri="{BB962C8B-B14F-4D97-AF65-F5344CB8AC3E}">
-        <p14:creationId xmlns:p14="http://schemas.microsoft.com/office/powerpoint/2010/main" val="264324554"/>
+        <p14:creationId xmlns:p14="http://schemas.microsoft.com/office/powerpoint/2010/main" val="4294613792"/>
       </p:ext>
     </p:extLst>
   </p:cSld>
@@ -2046,7 +2046,7 @@
           <p:cNvPr id="2" name="日期占位符 1">
             <a:extLst>
               <a:ext uri="{FF2B5EF4-FFF2-40B4-BE49-F238E27FC236}">
-                <a16:creationId xmlns:a16="http://schemas.microsoft.com/office/drawing/2014/main" id="{12C98F8C-81C7-D282-2A26-FB56EFDD1671}"/>
+                <a16:creationId xmlns:a16="http://schemas.microsoft.com/office/drawing/2014/main" id="{9604A505-F2D3-FBA9-056C-1D5560755FA3}"/>
               </a:ext>
             </a:extLst>
           </p:cNvPr>
@@ -2062,7 +2062,7 @@
           <a:bodyPr/>
           <a:lstStyle/>
           <a:p>
-            <a:fld id="{987E1201-024C-420F-BF21-BA9D24A22ADE}" type="datetimeFigureOut">
+            <a:fld id="{E22647B8-00AC-45B8-857B-442FAD765A8C}" type="datetimeFigureOut">
               <a:rPr lang="zh-CN" altLang="en-US" smtClean="0"/>
               <a:t>2024/3/10</a:t>
             </a:fld>
@@ -2075,7 +2075,7 @@
           <p:cNvPr id="3" name="页脚占位符 2">
             <a:extLst>
               <a:ext uri="{FF2B5EF4-FFF2-40B4-BE49-F238E27FC236}">
-                <a16:creationId xmlns:a16="http://schemas.microsoft.com/office/drawing/2014/main" id="{21C09BFD-624D-1498-2819-174A073914EE}"/>
+                <a16:creationId xmlns:a16="http://schemas.microsoft.com/office/drawing/2014/main" id="{E1E6F148-288E-F533-3257-556F1D3A320A}"/>
               </a:ext>
             </a:extLst>
           </p:cNvPr>
@@ -2100,7 +2100,7 @@
           <p:cNvPr id="4" name="灯片编号占位符 3">
             <a:extLst>
               <a:ext uri="{FF2B5EF4-FFF2-40B4-BE49-F238E27FC236}">
-                <a16:creationId xmlns:a16="http://schemas.microsoft.com/office/drawing/2014/main" id="{70FCAFC4-0AAD-080E-CA6D-9422BEACA7E5}"/>
+                <a16:creationId xmlns:a16="http://schemas.microsoft.com/office/drawing/2014/main" id="{5CDD6F1B-1522-ABF6-823B-E9367A8C7CE9}"/>
               </a:ext>
             </a:extLst>
           </p:cNvPr>
@@ -2116,7 +2116,7 @@
           <a:bodyPr/>
           <a:lstStyle/>
           <a:p>
-            <a:fld id="{D47BE63C-3604-4B6B-B845-9C52A78E811A}" type="slidenum">
+            <a:fld id="{E09F9F96-F374-4E50-AEF2-012E45A525B9}" type="slidenum">
               <a:rPr lang="zh-CN" altLang="en-US" smtClean="0"/>
               <a:t>‹#›</a:t>
             </a:fld>
@@ -2127,7 +2127,7 @@
     </p:spTree>
     <p:extLst>
       <p:ext uri="{BB962C8B-B14F-4D97-AF65-F5344CB8AC3E}">
-        <p14:creationId xmlns:p14="http://schemas.microsoft.com/office/powerpoint/2010/main" val="3970121297"/>
+        <p14:creationId xmlns:p14="http://schemas.microsoft.com/office/powerpoint/2010/main" val="87604937"/>
       </p:ext>
     </p:extLst>
   </p:cSld>
@@ -2159,7 +2159,7 @@
           <p:cNvPr id="2" name="标题 1">
             <a:extLst>
               <a:ext uri="{FF2B5EF4-FFF2-40B4-BE49-F238E27FC236}">
-                <a16:creationId xmlns:a16="http://schemas.microsoft.com/office/drawing/2014/main" id="{83E17B2D-3F18-864F-D7D7-5D8E64D7B776}"/>
+                <a16:creationId xmlns:a16="http://schemas.microsoft.com/office/drawing/2014/main" id="{E80BE2AD-0566-B502-FC60-ED13CC11E931}"/>
               </a:ext>
             </a:extLst>
           </p:cNvPr>
@@ -2196,7 +2196,7 @@
           <p:cNvPr id="3" name="内容占位符 2">
             <a:extLst>
               <a:ext uri="{FF2B5EF4-FFF2-40B4-BE49-F238E27FC236}">
-                <a16:creationId xmlns:a16="http://schemas.microsoft.com/office/drawing/2014/main" id="{8CBAF8C7-3CD0-1952-E749-D402AC321FE1}"/>
+                <a16:creationId xmlns:a16="http://schemas.microsoft.com/office/drawing/2014/main" id="{FFA9258D-0711-54FF-812B-1BD3235508A8}"/>
               </a:ext>
             </a:extLst>
           </p:cNvPr>
@@ -2286,7 +2286,7 @@
           <p:cNvPr id="4" name="文本占位符 3">
             <a:extLst>
               <a:ext uri="{FF2B5EF4-FFF2-40B4-BE49-F238E27FC236}">
-                <a16:creationId xmlns:a16="http://schemas.microsoft.com/office/drawing/2014/main" id="{0834082C-6503-18D8-19DF-1712B1CF1981}"/>
+                <a16:creationId xmlns:a16="http://schemas.microsoft.com/office/drawing/2014/main" id="{D0D9F149-687E-7BA3-4582-96121E403D0C}"/>
               </a:ext>
             </a:extLst>
           </p:cNvPr>
@@ -2357,7 +2357,7 @@
           <p:cNvPr id="5" name="日期占位符 4">
             <a:extLst>
               <a:ext uri="{FF2B5EF4-FFF2-40B4-BE49-F238E27FC236}">
-                <a16:creationId xmlns:a16="http://schemas.microsoft.com/office/drawing/2014/main" id="{48CB119A-901C-E6F1-903E-2E4E4B81C469}"/>
+                <a16:creationId xmlns:a16="http://schemas.microsoft.com/office/drawing/2014/main" id="{81C6B63A-7369-6643-825F-10A94628774C}"/>
               </a:ext>
             </a:extLst>
           </p:cNvPr>
@@ -2373,7 +2373,7 @@
           <a:bodyPr/>
           <a:lstStyle/>
           <a:p>
-            <a:fld id="{987E1201-024C-420F-BF21-BA9D24A22ADE}" type="datetimeFigureOut">
+            <a:fld id="{E22647B8-00AC-45B8-857B-442FAD765A8C}" type="datetimeFigureOut">
               <a:rPr lang="zh-CN" altLang="en-US" smtClean="0"/>
               <a:t>2024/3/10</a:t>
             </a:fld>
@@ -2386,7 +2386,7 @@
           <p:cNvPr id="6" name="页脚占位符 5">
             <a:extLst>
               <a:ext uri="{FF2B5EF4-FFF2-40B4-BE49-F238E27FC236}">
-                <a16:creationId xmlns:a16="http://schemas.microsoft.com/office/drawing/2014/main" id="{16E18C7F-5306-AD16-A297-92F46DFAA1A3}"/>
+                <a16:creationId xmlns:a16="http://schemas.microsoft.com/office/drawing/2014/main" id="{E7F77E16-1DEC-0572-98FB-5A896EB411C8}"/>
               </a:ext>
             </a:extLst>
           </p:cNvPr>
@@ -2411,7 +2411,7 @@
           <p:cNvPr id="7" name="灯片编号占位符 6">
             <a:extLst>
               <a:ext uri="{FF2B5EF4-FFF2-40B4-BE49-F238E27FC236}">
-                <a16:creationId xmlns:a16="http://schemas.microsoft.com/office/drawing/2014/main" id="{6C849B07-9DD5-0463-73D7-D36B7679D3EA}"/>
+                <a16:creationId xmlns:a16="http://schemas.microsoft.com/office/drawing/2014/main" id="{35C080E2-F97A-FA82-50A0-0DDA2198E1D1}"/>
               </a:ext>
             </a:extLst>
           </p:cNvPr>
@@ -2427,7 +2427,7 @@
           <a:bodyPr/>
           <a:lstStyle/>
           <a:p>
-            <a:fld id="{D47BE63C-3604-4B6B-B845-9C52A78E811A}" type="slidenum">
+            <a:fld id="{E09F9F96-F374-4E50-AEF2-012E45A525B9}" type="slidenum">
               <a:rPr lang="zh-CN" altLang="en-US" smtClean="0"/>
               <a:t>‹#›</a:t>
             </a:fld>
@@ -2438,7 +2438,7 @@
     </p:spTree>
     <p:extLst>
       <p:ext uri="{BB962C8B-B14F-4D97-AF65-F5344CB8AC3E}">
-        <p14:creationId xmlns:p14="http://schemas.microsoft.com/office/powerpoint/2010/main" val="3378503405"/>
+        <p14:creationId xmlns:p14="http://schemas.microsoft.com/office/powerpoint/2010/main" val="4114136822"/>
       </p:ext>
     </p:extLst>
   </p:cSld>
@@ -2470,7 +2470,7 @@
           <p:cNvPr id="2" name="标题 1">
             <a:extLst>
               <a:ext uri="{FF2B5EF4-FFF2-40B4-BE49-F238E27FC236}">
-                <a16:creationId xmlns:a16="http://schemas.microsoft.com/office/drawing/2014/main" id="{94D3BC74-82BF-A697-0E9B-59FDC0ABD844}"/>
+                <a16:creationId xmlns:a16="http://schemas.microsoft.com/office/drawing/2014/main" id="{9CDEACAD-4F00-A5C9-BA07-9829624BDAC9}"/>
               </a:ext>
             </a:extLst>
           </p:cNvPr>
@@ -2507,7 +2507,7 @@
           <p:cNvPr id="3" name="图片占位符 2">
             <a:extLst>
               <a:ext uri="{FF2B5EF4-FFF2-40B4-BE49-F238E27FC236}">
-                <a16:creationId xmlns:a16="http://schemas.microsoft.com/office/drawing/2014/main" id="{1D4642BC-AF9C-FC3A-414C-EB7B13EB60D9}"/>
+                <a16:creationId xmlns:a16="http://schemas.microsoft.com/office/drawing/2014/main" id="{9C708395-77A4-BB50-346E-C306409B05CE}"/>
               </a:ext>
             </a:extLst>
           </p:cNvPr>
@@ -2574,7 +2574,7 @@
           <p:cNvPr id="4" name="文本占位符 3">
             <a:extLst>
               <a:ext uri="{FF2B5EF4-FFF2-40B4-BE49-F238E27FC236}">
-                <a16:creationId xmlns:a16="http://schemas.microsoft.com/office/drawing/2014/main" id="{B0A3A286-CDEE-D377-6D62-F82F08C864D8}"/>
+                <a16:creationId xmlns:a16="http://schemas.microsoft.com/office/drawing/2014/main" id="{ADFA5AC5-D64D-C584-BE01-B899A9F61E60}"/>
               </a:ext>
             </a:extLst>
           </p:cNvPr>
@@ -2645,7 +2645,7 @@
           <p:cNvPr id="5" name="日期占位符 4">
             <a:extLst>
               <a:ext uri="{FF2B5EF4-FFF2-40B4-BE49-F238E27FC236}">
-                <a16:creationId xmlns:a16="http://schemas.microsoft.com/office/drawing/2014/main" id="{2DF81130-171F-A580-D7C5-E1101721EE94}"/>
+                <a16:creationId xmlns:a16="http://schemas.microsoft.com/office/drawing/2014/main" id="{CE941D64-68EF-4679-20D1-BB961F7A90D6}"/>
               </a:ext>
             </a:extLst>
           </p:cNvPr>
@@ -2661,7 +2661,7 @@
           <a:bodyPr/>
           <a:lstStyle/>
           <a:p>
-            <a:fld id="{987E1201-024C-420F-BF21-BA9D24A22ADE}" type="datetimeFigureOut">
+            <a:fld id="{E22647B8-00AC-45B8-857B-442FAD765A8C}" type="datetimeFigureOut">
               <a:rPr lang="zh-CN" altLang="en-US" smtClean="0"/>
               <a:t>2024/3/10</a:t>
             </a:fld>
@@ -2674,7 +2674,7 @@
           <p:cNvPr id="6" name="页脚占位符 5">
             <a:extLst>
               <a:ext uri="{FF2B5EF4-FFF2-40B4-BE49-F238E27FC236}">
-                <a16:creationId xmlns:a16="http://schemas.microsoft.com/office/drawing/2014/main" id="{41F8C364-3A08-1245-CEF2-A19DCD56C3B7}"/>
+                <a16:creationId xmlns:a16="http://schemas.microsoft.com/office/drawing/2014/main" id="{ED4D3284-A290-87D1-7A53-6E5A4B704F8F}"/>
               </a:ext>
             </a:extLst>
           </p:cNvPr>
@@ -2699,7 +2699,7 @@
           <p:cNvPr id="7" name="灯片编号占位符 6">
             <a:extLst>
               <a:ext uri="{FF2B5EF4-FFF2-40B4-BE49-F238E27FC236}">
-                <a16:creationId xmlns:a16="http://schemas.microsoft.com/office/drawing/2014/main" id="{22E41AA5-AE0F-AF33-E1DC-3C1FA170B99F}"/>
+                <a16:creationId xmlns:a16="http://schemas.microsoft.com/office/drawing/2014/main" id="{527D06B0-6088-27CD-47BA-A943D0F2CBF2}"/>
               </a:ext>
             </a:extLst>
           </p:cNvPr>
@@ -2715,7 +2715,7 @@
           <a:bodyPr/>
           <a:lstStyle/>
           <a:p>
-            <a:fld id="{D47BE63C-3604-4B6B-B845-9C52A78E811A}" type="slidenum">
+            <a:fld id="{E09F9F96-F374-4E50-AEF2-012E45A525B9}" type="slidenum">
               <a:rPr lang="zh-CN" altLang="en-US" smtClean="0"/>
               <a:t>‹#›</a:t>
             </a:fld>
@@ -2726,7 +2726,7 @@
     </p:spTree>
     <p:extLst>
       <p:ext uri="{BB962C8B-B14F-4D97-AF65-F5344CB8AC3E}">
-        <p14:creationId xmlns:p14="http://schemas.microsoft.com/office/powerpoint/2010/main" val="3258305730"/>
+        <p14:creationId xmlns:p14="http://schemas.microsoft.com/office/powerpoint/2010/main" val="3883371804"/>
       </p:ext>
     </p:extLst>
   </p:cSld>
@@ -2763,7 +2763,7 @@
           <p:cNvPr id="2" name="标题占位符 1">
             <a:extLst>
               <a:ext uri="{FF2B5EF4-FFF2-40B4-BE49-F238E27FC236}">
-                <a16:creationId xmlns:a16="http://schemas.microsoft.com/office/drawing/2014/main" id="{B86174EC-3935-91F4-2EB2-9BD3F6785135}"/>
+                <a16:creationId xmlns:a16="http://schemas.microsoft.com/office/drawing/2014/main" id="{05BC3F8C-0860-40F6-1C38-E6EBA5033D46}"/>
               </a:ext>
             </a:extLst>
           </p:cNvPr>
@@ -2801,7 +2801,7 @@
           <p:cNvPr id="3" name="文本占位符 2">
             <a:extLst>
               <a:ext uri="{FF2B5EF4-FFF2-40B4-BE49-F238E27FC236}">
-                <a16:creationId xmlns:a16="http://schemas.microsoft.com/office/drawing/2014/main" id="{C44B8B66-777F-5D12-8934-5012A458A8DF}"/>
+                <a16:creationId xmlns:a16="http://schemas.microsoft.com/office/drawing/2014/main" id="{1089DF56-235F-EB4C-C957-87EEEF4EE0CE}"/>
               </a:ext>
             </a:extLst>
           </p:cNvPr>
@@ -2868,7 +2868,7 @@
           <p:cNvPr id="4" name="日期占位符 3">
             <a:extLst>
               <a:ext uri="{FF2B5EF4-FFF2-40B4-BE49-F238E27FC236}">
-                <a16:creationId xmlns:a16="http://schemas.microsoft.com/office/drawing/2014/main" id="{A3490FB5-D861-3474-F7DD-E6B971F65D81}"/>
+                <a16:creationId xmlns:a16="http://schemas.microsoft.com/office/drawing/2014/main" id="{C51CC495-5418-8E21-C4CE-4B03C9444D77}"/>
               </a:ext>
             </a:extLst>
           </p:cNvPr>
@@ -2902,7 +2902,7 @@
             </a:lvl1pPr>
           </a:lstStyle>
           <a:p>
-            <a:fld id="{987E1201-024C-420F-BF21-BA9D24A22ADE}" type="datetimeFigureOut">
+            <a:fld id="{E22647B8-00AC-45B8-857B-442FAD765A8C}" type="datetimeFigureOut">
               <a:rPr lang="zh-CN" altLang="en-US" smtClean="0"/>
               <a:t>2024/3/10</a:t>
             </a:fld>
@@ -2915,7 +2915,7 @@
           <p:cNvPr id="5" name="页脚占位符 4">
             <a:extLst>
               <a:ext uri="{FF2B5EF4-FFF2-40B4-BE49-F238E27FC236}">
-                <a16:creationId xmlns:a16="http://schemas.microsoft.com/office/drawing/2014/main" id="{45516FDB-1970-5DE3-63BD-5300F930B38C}"/>
+                <a16:creationId xmlns:a16="http://schemas.microsoft.com/office/drawing/2014/main" id="{04595341-952C-AF9D-502F-A688CAE4EBFA}"/>
               </a:ext>
             </a:extLst>
           </p:cNvPr>
@@ -2958,7 +2958,7 @@
           <p:cNvPr id="6" name="灯片编号占位符 5">
             <a:extLst>
               <a:ext uri="{FF2B5EF4-FFF2-40B4-BE49-F238E27FC236}">
-                <a16:creationId xmlns:a16="http://schemas.microsoft.com/office/drawing/2014/main" id="{148F3C5A-9971-5F22-D1D7-81AEC35B3106}"/>
+                <a16:creationId xmlns:a16="http://schemas.microsoft.com/office/drawing/2014/main" id="{770F2BAA-CFEE-1FA6-F388-008793ADD717}"/>
               </a:ext>
             </a:extLst>
           </p:cNvPr>
@@ -2992,7 +2992,7 @@
             </a:lvl1pPr>
           </a:lstStyle>
           <a:p>
-            <a:fld id="{D47BE63C-3604-4B6B-B845-9C52A78E811A}" type="slidenum">
+            <a:fld id="{E09F9F96-F374-4E50-AEF2-012E45A525B9}" type="slidenum">
               <a:rPr lang="zh-CN" altLang="en-US" smtClean="0"/>
               <a:t>‹#›</a:t>
             </a:fld>
@@ -3003,7 +3003,7 @@
     </p:spTree>
     <p:extLst>
       <p:ext uri="{BB962C8B-B14F-4D97-AF65-F5344CB8AC3E}">
-        <p14:creationId xmlns:p14="http://schemas.microsoft.com/office/powerpoint/2010/main" val="3941431791"/>
+        <p14:creationId xmlns:p14="http://schemas.microsoft.com/office/powerpoint/2010/main" val="3323916005"/>
       </p:ext>
     </p:extLst>
   </p:cSld>
@@ -3323,7 +3323,7 @@
       </p:grpSpPr>
       <p:pic>
         <p:nvPicPr>
-          <p:cNvPr id="1567746" name="Picture 2" descr="1530"/>
+          <p:cNvPr id="1568770" name="Picture 2" descr="1531"/>
           <p:cNvPicPr>
             <a:picLocks noChangeAspect="1" noChangeArrowheads="1"/>
           </p:cNvPicPr>
@@ -3344,8 +3344,8 @@
         </p:blipFill>
         <p:spPr bwMode="auto">
           <a:xfrm>
-            <a:off x="1524000" y="0"/>
-            <a:ext cx="9144000" cy="6858000"/>
+            <a:off x="1512888" y="0"/>
+            <a:ext cx="9117013" cy="5949950"/>
           </a:xfrm>
           <a:prstGeom prst="rect">
             <a:avLst/>
